--- a/16317/f15/lectures/16.317f15_lec21_pic_inst2.pptx
+++ b/16317/f15/lectures/16.317f15_lec21_pic_inst2.pptx
@@ -569,7 +569,7 @@
             <a:tailEnd/>
           </a:ln>
           <a:extLst>
-            <a:ext uri="{909E8E84-426E-40dd-AFC4-6F175D3DCCD1}">
+            <a:ext uri="{909E8E84-426E-40DD-AFC4-6F175D3DCCD1}">
               <a14:hiddenFill xmlns:a14="http://schemas.microsoft.com/office/drawing/2010/main">
                 <a:solidFill>
                   <a:srgbClr val="FFFFFF"/>
@@ -577,7 +577,7 @@
               </a14:hiddenFill>
             </a:ext>
             <a:ext uri="{FAA26D3D-D897-4be2-8F04-BA451C77F1D7}">
-              <ma14:placeholderFlag xmlns:ma14="http://schemas.microsoft.com/office/mac/drawingml/2011/main" val="1"/>
+              <ma14:placeholderFlag xmlns:ma14="http://schemas.microsoft.com/office/mac/drawingml/2011/main" xmlns="" val="1"/>
             </a:ext>
           </a:extLst>
         </p:spPr>
@@ -916,14 +916,14 @@
           <a:noFill/>
           <a:ln/>
           <a:extLst>
-            <a:ext uri="{909E8E84-426E-40dd-AFC4-6F175D3DCCD1}">
+            <a:ext uri="{909E8E84-426E-40DD-AFC4-6F175D3DCCD1}">
               <a14:hiddenFill xmlns:a14="http://schemas.microsoft.com/office/drawing/2010/main">
                 <a:solidFill>
                   <a:srgbClr val="FFFFFF"/>
                 </a:solidFill>
               </a14:hiddenFill>
             </a:ext>
-            <a:ext uri="{91240B29-F687-4f45-9708-019B960494DF}">
+            <a:ext uri="{91240B29-F687-4F45-9708-019B960494DF}">
               <a14:hiddenLine xmlns:a14="http://schemas.microsoft.com/office/drawing/2010/main" w="9525">
                 <a:solidFill>
                   <a:srgbClr val="000000"/>
@@ -1091,14 +1091,14 @@
           <a:noFill/>
           <a:ln/>
           <a:extLst>
-            <a:ext uri="{909E8E84-426E-40dd-AFC4-6F175D3DCCD1}">
+            <a:ext uri="{909E8E84-426E-40DD-AFC4-6F175D3DCCD1}">
               <a14:hiddenFill xmlns:a14="http://schemas.microsoft.com/office/drawing/2010/main">
                 <a:solidFill>
                   <a:srgbClr val="FFFFFF"/>
                 </a:solidFill>
               </a14:hiddenFill>
             </a:ext>
-            <a:ext uri="{91240B29-F687-4f45-9708-019B960494DF}">
+            <a:ext uri="{91240B29-F687-4F45-9708-019B960494DF}">
               <a14:hiddenLine xmlns:a14="http://schemas.microsoft.com/office/drawing/2010/main" w="9525">
                 <a:solidFill>
                   <a:srgbClr val="000000"/>
@@ -1109,7 +1109,7 @@
               </a14:hiddenLine>
             </a:ext>
             <a:ext uri="{FAA26D3D-D897-4be2-8F04-BA451C77F1D7}">
-              <ma14:placeholderFlag xmlns:ma14="http://schemas.microsoft.com/office/mac/drawingml/2011/main" val="1"/>
+              <ma14:placeholderFlag xmlns:ma14="http://schemas.microsoft.com/office/mac/drawingml/2011/main" xmlns="" val="1"/>
             </a:ext>
           </a:extLst>
         </p:spPr>
@@ -1161,14 +1161,14 @@
           <a:noFill/>
           <a:ln/>
           <a:extLst>
-            <a:ext uri="{909E8E84-426E-40dd-AFC4-6F175D3DCCD1}">
+            <a:ext uri="{909E8E84-426E-40DD-AFC4-6F175D3DCCD1}">
               <a14:hiddenFill xmlns:a14="http://schemas.microsoft.com/office/drawing/2010/main">
                 <a:solidFill>
                   <a:srgbClr val="FFFFFF"/>
                 </a:solidFill>
               </a14:hiddenFill>
             </a:ext>
-            <a:ext uri="{91240B29-F687-4f45-9708-019B960494DF}">
+            <a:ext uri="{91240B29-F687-4F45-9708-019B960494DF}">
               <a14:hiddenLine xmlns:a14="http://schemas.microsoft.com/office/drawing/2010/main" w="9525">
                 <a:solidFill>
                   <a:srgbClr val="000000"/>
@@ -1302,7 +1302,7 @@
             <a:fld id="{9DB574AA-4AEF-B34F-8B4E-D99858EB39BE}" type="datetime1">
               <a:rPr lang="en-US"/>
               <a:pPr/>
-              <a:t>10/21/15</a:t>
+              <a:t>10/23/2015</a:t>
             </a:fld>
             <a:endParaRPr lang="en-US"/>
           </a:p>
@@ -1322,14 +1322,14 @@
           <a:noFill/>
           <a:ln/>
           <a:extLst>
-            <a:ext uri="{909E8E84-426E-40dd-AFC4-6F175D3DCCD1}">
+            <a:ext uri="{909E8E84-426E-40DD-AFC4-6F175D3DCCD1}">
               <a14:hiddenFill xmlns:a14="http://schemas.microsoft.com/office/drawing/2010/main">
                 <a:solidFill>
                   <a:srgbClr val="FFFFFF"/>
                 </a:solidFill>
               </a14:hiddenFill>
             </a:ext>
-            <a:ext uri="{91240B29-F687-4f45-9708-019B960494DF}">
+            <a:ext uri="{91240B29-F687-4F45-9708-019B960494DF}">
               <a14:hiddenLine xmlns:a14="http://schemas.microsoft.com/office/drawing/2010/main" w="9525">
                 <a:solidFill>
                   <a:srgbClr val="000000"/>
@@ -1481,14 +1481,14 @@
           <a:noFill/>
           <a:ln/>
           <a:extLst>
-            <a:ext uri="{909E8E84-426E-40dd-AFC4-6F175D3DCCD1}">
+            <a:ext uri="{909E8E84-426E-40DD-AFC4-6F175D3DCCD1}">
               <a14:hiddenFill xmlns:a14="http://schemas.microsoft.com/office/drawing/2010/main">
                 <a:solidFill>
                   <a:srgbClr val="FFFFFF"/>
                 </a:solidFill>
               </a14:hiddenFill>
             </a:ext>
-            <a:ext uri="{91240B29-F687-4f45-9708-019B960494DF}">
+            <a:ext uri="{91240B29-F687-4F45-9708-019B960494DF}">
               <a14:hiddenLine xmlns:a14="http://schemas.microsoft.com/office/drawing/2010/main" w="9525">
                 <a:solidFill>
                   <a:srgbClr val="000000"/>
@@ -1666,7 +1666,7 @@
           </a:ln>
           <a:extLst>
             <a:ext uri="{FAA26D3D-D897-4be2-8F04-BA451C77F1D7}">
-              <ma14:placeholderFlag xmlns:ma14="http://schemas.microsoft.com/office/mac/drawingml/2011/main" val="1"/>
+              <ma14:placeholderFlag xmlns:ma14="http://schemas.microsoft.com/office/mac/drawingml/2011/main" xmlns="" val="1"/>
             </a:ext>
           </a:extLst>
         </p:spPr>
@@ -1717,14 +1717,14 @@
           <a:noFill/>
           <a:ln/>
           <a:extLst>
-            <a:ext uri="{909E8E84-426E-40dd-AFC4-6F175D3DCCD1}">
+            <a:ext uri="{909E8E84-426E-40DD-AFC4-6F175D3DCCD1}">
               <a14:hiddenFill xmlns:a14="http://schemas.microsoft.com/office/drawing/2010/main">
                 <a:solidFill>
                   <a:srgbClr val="FFFFFF"/>
                 </a:solidFill>
               </a14:hiddenFill>
             </a:ext>
-            <a:ext uri="{91240B29-F687-4f45-9708-019B960494DF}">
+            <a:ext uri="{91240B29-F687-4F45-9708-019B960494DF}">
               <a14:hiddenLine xmlns:a14="http://schemas.microsoft.com/office/drawing/2010/main" w="9525">
                 <a:solidFill>
                   <a:srgbClr val="000000"/>
@@ -1858,7 +1858,7 @@
             <a:fld id="{90FE5C72-84D5-4047-BC1C-77905F5DF831}" type="datetime1">
               <a:rPr lang="en-US"/>
               <a:pPr/>
-              <a:t>10/21/15</a:t>
+              <a:t>10/23/2015</a:t>
             </a:fld>
             <a:endParaRPr lang="en-US"/>
           </a:p>
@@ -1878,14 +1878,14 @@
           <a:noFill/>
           <a:ln/>
           <a:extLst>
-            <a:ext uri="{909E8E84-426E-40dd-AFC4-6F175D3DCCD1}">
+            <a:ext uri="{909E8E84-426E-40DD-AFC4-6F175D3DCCD1}">
               <a14:hiddenFill xmlns:a14="http://schemas.microsoft.com/office/drawing/2010/main">
                 <a:solidFill>
                   <a:srgbClr val="FFFFFF"/>
                 </a:solidFill>
               </a14:hiddenFill>
             </a:ext>
-            <a:ext uri="{91240B29-F687-4f45-9708-019B960494DF}">
+            <a:ext uri="{91240B29-F687-4F45-9708-019B960494DF}">
               <a14:hiddenLine xmlns:a14="http://schemas.microsoft.com/office/drawing/2010/main" w="9525">
                 <a:solidFill>
                   <a:srgbClr val="000000"/>
@@ -2037,14 +2037,14 @@
           <a:noFill/>
           <a:ln/>
           <a:extLst>
-            <a:ext uri="{909E8E84-426E-40dd-AFC4-6F175D3DCCD1}">
+            <a:ext uri="{909E8E84-426E-40DD-AFC4-6F175D3DCCD1}">
               <a14:hiddenFill xmlns:a14="http://schemas.microsoft.com/office/drawing/2010/main">
                 <a:solidFill>
                   <a:srgbClr val="FFFFFF"/>
                 </a:solidFill>
               </a14:hiddenFill>
             </a:ext>
-            <a:ext uri="{91240B29-F687-4f45-9708-019B960494DF}">
+            <a:ext uri="{91240B29-F687-4F45-9708-019B960494DF}">
               <a14:hiddenLine xmlns:a14="http://schemas.microsoft.com/office/drawing/2010/main" w="9525">
                 <a:solidFill>
                   <a:srgbClr val="000000"/>
@@ -2222,7 +2222,7 @@
           </a:ln>
           <a:extLst>
             <a:ext uri="{FAA26D3D-D897-4be2-8F04-BA451C77F1D7}">
-              <ma14:placeholderFlag xmlns:ma14="http://schemas.microsoft.com/office/mac/drawingml/2011/main" val="1"/>
+              <ma14:placeholderFlag xmlns:ma14="http://schemas.microsoft.com/office/mac/drawingml/2011/main" xmlns="" val="1"/>
             </a:ext>
           </a:extLst>
         </p:spPr>
@@ -2273,14 +2273,14 @@
           <a:noFill/>
           <a:ln/>
           <a:extLst>
-            <a:ext uri="{909E8E84-426E-40dd-AFC4-6F175D3DCCD1}">
+            <a:ext uri="{909E8E84-426E-40DD-AFC4-6F175D3DCCD1}">
               <a14:hiddenFill xmlns:a14="http://schemas.microsoft.com/office/drawing/2010/main">
                 <a:solidFill>
                   <a:srgbClr val="FFFFFF"/>
                 </a:solidFill>
               </a14:hiddenFill>
             </a:ext>
-            <a:ext uri="{91240B29-F687-4f45-9708-019B960494DF}">
+            <a:ext uri="{91240B29-F687-4F45-9708-019B960494DF}">
               <a14:hiddenLine xmlns:a14="http://schemas.microsoft.com/office/drawing/2010/main" w="9525">
                 <a:solidFill>
                   <a:srgbClr val="000000"/>
@@ -2414,7 +2414,7 @@
             <a:fld id="{3044EF87-295F-E048-ABAB-CFF355E0ABD3}" type="datetime1">
               <a:rPr lang="en-US"/>
               <a:pPr/>
-              <a:t>10/21/15</a:t>
+              <a:t>10/23/2015</a:t>
             </a:fld>
             <a:endParaRPr lang="en-US"/>
           </a:p>
@@ -2434,14 +2434,14 @@
           <a:noFill/>
           <a:ln/>
           <a:extLst>
-            <a:ext uri="{909E8E84-426E-40dd-AFC4-6F175D3DCCD1}">
+            <a:ext uri="{909E8E84-426E-40DD-AFC4-6F175D3DCCD1}">
               <a14:hiddenFill xmlns:a14="http://schemas.microsoft.com/office/drawing/2010/main">
                 <a:solidFill>
                   <a:srgbClr val="FFFFFF"/>
                 </a:solidFill>
               </a14:hiddenFill>
             </a:ext>
-            <a:ext uri="{91240B29-F687-4f45-9708-019B960494DF}">
+            <a:ext uri="{91240B29-F687-4F45-9708-019B960494DF}">
               <a14:hiddenLine xmlns:a14="http://schemas.microsoft.com/office/drawing/2010/main" w="9525">
                 <a:solidFill>
                   <a:srgbClr val="000000"/>
@@ -2593,14 +2593,14 @@
           <a:noFill/>
           <a:ln/>
           <a:extLst>
-            <a:ext uri="{909E8E84-426E-40dd-AFC4-6F175D3DCCD1}">
+            <a:ext uri="{909E8E84-426E-40DD-AFC4-6F175D3DCCD1}">
               <a14:hiddenFill xmlns:a14="http://schemas.microsoft.com/office/drawing/2010/main">
                 <a:solidFill>
                   <a:srgbClr val="FFFFFF"/>
                 </a:solidFill>
               </a14:hiddenFill>
             </a:ext>
-            <a:ext uri="{91240B29-F687-4f45-9708-019B960494DF}">
+            <a:ext uri="{91240B29-F687-4F45-9708-019B960494DF}">
               <a14:hiddenLine xmlns:a14="http://schemas.microsoft.com/office/drawing/2010/main" w="9525">
                 <a:solidFill>
                   <a:srgbClr val="000000"/>
@@ -2778,7 +2778,7 @@
           </a:ln>
           <a:extLst>
             <a:ext uri="{FAA26D3D-D897-4be2-8F04-BA451C77F1D7}">
-              <ma14:placeholderFlag xmlns:ma14="http://schemas.microsoft.com/office/mac/drawingml/2011/main" val="1"/>
+              <ma14:placeholderFlag xmlns:ma14="http://schemas.microsoft.com/office/mac/drawingml/2011/main" xmlns="" val="1"/>
             </a:ext>
           </a:extLst>
         </p:spPr>
@@ -2829,14 +2829,14 @@
           <a:noFill/>
           <a:ln/>
           <a:extLst>
-            <a:ext uri="{909E8E84-426E-40dd-AFC4-6F175D3DCCD1}">
+            <a:ext uri="{909E8E84-426E-40DD-AFC4-6F175D3DCCD1}">
               <a14:hiddenFill xmlns:a14="http://schemas.microsoft.com/office/drawing/2010/main">
                 <a:solidFill>
                   <a:srgbClr val="FFFFFF"/>
                 </a:solidFill>
               </a14:hiddenFill>
             </a:ext>
-            <a:ext uri="{91240B29-F687-4f45-9708-019B960494DF}">
+            <a:ext uri="{91240B29-F687-4F45-9708-019B960494DF}">
               <a14:hiddenLine xmlns:a14="http://schemas.microsoft.com/office/drawing/2010/main" w="9525">
                 <a:solidFill>
                   <a:srgbClr val="000000"/>
@@ -2970,7 +2970,7 @@
             <a:fld id="{AFE5984B-8387-A44F-A1D0-CA273B59AB23}" type="datetime1">
               <a:rPr lang="en-US"/>
               <a:pPr/>
-              <a:t>10/21/15</a:t>
+              <a:t>10/23/2015</a:t>
             </a:fld>
             <a:endParaRPr lang="en-US"/>
           </a:p>
@@ -2990,14 +2990,14 @@
           <a:noFill/>
           <a:ln/>
           <a:extLst>
-            <a:ext uri="{909E8E84-426E-40dd-AFC4-6F175D3DCCD1}">
+            <a:ext uri="{909E8E84-426E-40DD-AFC4-6F175D3DCCD1}">
               <a14:hiddenFill xmlns:a14="http://schemas.microsoft.com/office/drawing/2010/main">
                 <a:solidFill>
                   <a:srgbClr val="FFFFFF"/>
                 </a:solidFill>
               </a14:hiddenFill>
             </a:ext>
-            <a:ext uri="{91240B29-F687-4f45-9708-019B960494DF}">
+            <a:ext uri="{91240B29-F687-4F45-9708-019B960494DF}">
               <a14:hiddenLine xmlns:a14="http://schemas.microsoft.com/office/drawing/2010/main" w="9525">
                 <a:solidFill>
                   <a:srgbClr val="000000"/>
@@ -3149,14 +3149,14 @@
           <a:noFill/>
           <a:ln/>
           <a:extLst>
-            <a:ext uri="{909E8E84-426E-40dd-AFC4-6F175D3DCCD1}">
+            <a:ext uri="{909E8E84-426E-40DD-AFC4-6F175D3DCCD1}">
               <a14:hiddenFill xmlns:a14="http://schemas.microsoft.com/office/drawing/2010/main">
                 <a:solidFill>
                   <a:srgbClr val="FFFFFF"/>
                 </a:solidFill>
               </a14:hiddenFill>
             </a:ext>
-            <a:ext uri="{91240B29-F687-4f45-9708-019B960494DF}">
+            <a:ext uri="{91240B29-F687-4F45-9708-019B960494DF}">
               <a14:hiddenLine xmlns:a14="http://schemas.microsoft.com/office/drawing/2010/main" w="9525">
                 <a:solidFill>
                   <a:srgbClr val="000000"/>
@@ -3334,7 +3334,7 @@
           </a:ln>
           <a:extLst>
             <a:ext uri="{FAA26D3D-D897-4be2-8F04-BA451C77F1D7}">
-              <ma14:placeholderFlag xmlns:ma14="http://schemas.microsoft.com/office/mac/drawingml/2011/main" val="1"/>
+              <ma14:placeholderFlag xmlns:ma14="http://schemas.microsoft.com/office/mac/drawingml/2011/main" xmlns="" val="1"/>
             </a:ext>
           </a:extLst>
         </p:spPr>
@@ -3435,7 +3435,7 @@
             <a:tailEnd/>
           </a:ln>
           <a:extLst>
-            <a:ext uri="{909E8E84-426E-40dd-AFC4-6F175D3DCCD1}">
+            <a:ext uri="{909E8E84-426E-40DD-AFC4-6F175D3DCCD1}">
               <a14:hiddenFill xmlns:a14="http://schemas.microsoft.com/office/drawing/2010/main">
                 <a:solidFill>
                   <a:srgbClr val="FFFFFF"/>
@@ -3478,7 +3478,7 @@
             <a:tailEnd/>
           </a:ln>
           <a:extLst>
-            <a:ext uri="{909E8E84-426E-40dd-AFC4-6F175D3DCCD1}">
+            <a:ext uri="{909E8E84-426E-40DD-AFC4-6F175D3DCCD1}">
               <a14:hiddenFill xmlns:a14="http://schemas.microsoft.com/office/drawing/2010/main">
                 <a:noFill/>
               </a14:hiddenFill>
@@ -3578,7 +3578,7 @@
           <a:p>
             <a:fld id="{8CD57FEA-229D-CC4F-A2B7-900E8B6438A3}" type="datetime1">
               <a:rPr lang="en-US" smtClean="0"/>
-              <a:t>10/21/15</a:t>
+              <a:t>10/23/2015</a:t>
             </a:fld>
             <a:endParaRPr lang="en-US"/>
           </a:p>
@@ -3775,7 +3775,7 @@
           <a:p>
             <a:fld id="{AA158C76-56DB-5848-BE8B-C30D90D28841}" type="datetime1">
               <a:rPr lang="en-US" smtClean="0"/>
-              <a:t>10/21/15</a:t>
+              <a:t>10/23/2015</a:t>
             </a:fld>
             <a:endParaRPr lang="en-US"/>
           </a:p>
@@ -3981,7 +3981,7 @@
           <a:p>
             <a:fld id="{65EAEA46-50FA-3642-A751-233B16EE33DB}" type="datetime1">
               <a:rPr lang="en-US" smtClean="0"/>
-              <a:t>10/21/15</a:t>
+              <a:t>10/23/2015</a:t>
             </a:fld>
             <a:endParaRPr lang="en-US"/>
           </a:p>
@@ -4244,7 +4244,7 @@
           <a:p>
             <a:fld id="{5370E6AD-63E5-594A-ACB8-B7A03FA67140}" type="datetime1">
               <a:rPr lang="en-US" smtClean="0"/>
-              <a:t>10/21/15</a:t>
+              <a:t>10/23/2015</a:t>
             </a:fld>
             <a:endParaRPr lang="en-US"/>
           </a:p>
@@ -4507,7 +4507,7 @@
           <a:p>
             <a:fld id="{A97CFEED-2B80-994E-B1E1-61606A620BDB}" type="datetime1">
               <a:rPr lang="en-US" smtClean="0"/>
-              <a:t>10/21/15</a:t>
+              <a:t>10/23/2015</a:t>
             </a:fld>
             <a:endParaRPr lang="en-US"/>
           </a:p>
@@ -4703,7 +4703,7 @@
           <a:p>
             <a:fld id="{D437A2B0-6120-8140-8E08-974AAA57CDE2}" type="datetime1">
               <a:rPr lang="en-US" smtClean="0"/>
-              <a:t>10/21/15</a:t>
+              <a:t>10/23/2015</a:t>
             </a:fld>
             <a:endParaRPr lang="en-US"/>
           </a:p>
@@ -4921,7 +4921,7 @@
           <a:p>
             <a:fld id="{9EF83E2C-9ADD-4E49-88B9-ED74A53D9F27}" type="datetime1">
               <a:rPr lang="en-US" smtClean="0"/>
-              <a:t>10/21/15</a:t>
+              <a:t>10/23/2015</a:t>
             </a:fld>
             <a:endParaRPr lang="en-US"/>
           </a:p>
@@ -5235,7 +5235,7 @@
           <a:p>
             <a:fld id="{AEB46DF8-5703-E543-A1DA-2CFA48CA8432}" type="datetime1">
               <a:rPr lang="en-US" smtClean="0"/>
-              <a:t>10/21/15</a:t>
+              <a:t>10/23/2015</a:t>
             </a:fld>
             <a:endParaRPr lang="en-US"/>
           </a:p>
@@ -5688,7 +5688,7 @@
           <a:p>
             <a:fld id="{FD273C7B-23D6-5C49-BA81-42967243BC11}" type="datetime1">
               <a:rPr lang="en-US" smtClean="0"/>
-              <a:t>10/21/15</a:t>
+              <a:t>10/23/2015</a:t>
             </a:fld>
             <a:endParaRPr lang="en-US"/>
           </a:p>
@@ -5832,7 +5832,7 @@
           <a:p>
             <a:fld id="{7B7EC1B1-21AF-8342-A78E-E4E808073D02}" type="datetime1">
               <a:rPr lang="en-US" smtClean="0"/>
-              <a:t>10/21/15</a:t>
+              <a:t>10/23/2015</a:t>
             </a:fld>
             <a:endParaRPr lang="en-US"/>
           </a:p>
@@ -5953,7 +5953,7 @@
           <a:p>
             <a:fld id="{BBF95E5D-9E3D-784F-B239-BE03BD161AEE}" type="datetime1">
               <a:rPr lang="en-US" smtClean="0"/>
-              <a:t>10/21/15</a:t>
+              <a:t>10/23/2015</a:t>
             </a:fld>
             <a:endParaRPr lang="en-US"/>
           </a:p>
@@ -6256,7 +6256,7 @@
           <a:p>
             <a:fld id="{E0A8EFC4-9519-474E-A17D-B3373E1FB566}" type="datetime1">
               <a:rPr lang="en-US" smtClean="0"/>
-              <a:t>10/21/15</a:t>
+              <a:t>10/23/2015</a:t>
             </a:fld>
             <a:endParaRPr lang="en-US"/>
           </a:p>
@@ -6536,7 +6536,7 @@
           <a:p>
             <a:fld id="{0C3D7156-7FB4-854C-AFBA-6CDE5B5DBFD6}" type="datetime1">
               <a:rPr lang="en-US" smtClean="0"/>
-              <a:t>10/21/15</a:t>
+              <a:t>10/23/2015</a:t>
             </a:fld>
             <a:endParaRPr lang="en-US"/>
           </a:p>
@@ -6665,14 +6665,14 @@
             <a:noFill/>
           </a:ln>
           <a:extLst>
-            <a:ext uri="{909E8E84-426E-40dd-AFC4-6F175D3DCCD1}">
+            <a:ext uri="{909E8E84-426E-40DD-AFC4-6F175D3DCCD1}">
               <a14:hiddenFill xmlns:a14="http://schemas.microsoft.com/office/drawing/2010/main">
                 <a:solidFill>
                   <a:srgbClr val="FFFFFF"/>
                 </a:solidFill>
               </a14:hiddenFill>
             </a:ext>
-            <a:ext uri="{91240B29-F687-4f45-9708-019B960494DF}">
+            <a:ext uri="{91240B29-F687-4F45-9708-019B960494DF}">
               <a14:hiddenLine xmlns:a14="http://schemas.microsoft.com/office/drawing/2010/main" w="9525">
                 <a:solidFill>
                   <a:srgbClr val="000000"/>
@@ -6683,7 +6683,7 @@
               </a14:hiddenLine>
             </a:ext>
             <a:ext uri="{FAA26D3D-D897-4be2-8F04-BA451C77F1D7}">
-              <ma14:placeholderFlag xmlns:ma14="http://schemas.microsoft.com/office/mac/drawingml/2011/main" val="1"/>
+              <ma14:placeholderFlag xmlns:ma14="http://schemas.microsoft.com/office/mac/drawingml/2011/main" xmlns="" val="1"/>
             </a:ext>
           </a:extLst>
         </p:spPr>
@@ -6726,14 +6726,14 @@
             <a:noFill/>
           </a:ln>
           <a:extLst>
-            <a:ext uri="{909E8E84-426E-40dd-AFC4-6F175D3DCCD1}">
+            <a:ext uri="{909E8E84-426E-40DD-AFC4-6F175D3DCCD1}">
               <a14:hiddenFill xmlns:a14="http://schemas.microsoft.com/office/drawing/2010/main">
                 <a:solidFill>
                   <a:srgbClr val="FFFFFF"/>
                 </a:solidFill>
               </a14:hiddenFill>
             </a:ext>
-            <a:ext uri="{91240B29-F687-4f45-9708-019B960494DF}">
+            <a:ext uri="{91240B29-F687-4F45-9708-019B960494DF}">
               <a14:hiddenLine xmlns:a14="http://schemas.microsoft.com/office/drawing/2010/main" w="9525">
                 <a:solidFill>
                   <a:srgbClr val="000000"/>
@@ -6744,7 +6744,7 @@
               </a14:hiddenLine>
             </a:ext>
             <a:ext uri="{FAA26D3D-D897-4be2-8F04-BA451C77F1D7}">
-              <ma14:placeholderFlag xmlns:ma14="http://schemas.microsoft.com/office/mac/drawingml/2011/main" val="1"/>
+              <ma14:placeholderFlag xmlns:ma14="http://schemas.microsoft.com/office/mac/drawingml/2011/main" xmlns="" val="1"/>
             </a:ext>
           </a:extLst>
         </p:spPr>
@@ -6835,7 +6835,7 @@
           <a:p>
             <a:fld id="{4EC580D6-AF36-BA4F-8AA1-9C0053234F97}" type="datetime1">
               <a:rPr lang="en-US" smtClean="0"/>
-              <a:t>10/21/15</a:t>
+              <a:t>10/23/2015</a:t>
             </a:fld>
             <a:endParaRPr lang="en-US"/>
           </a:p>
@@ -7009,7 +7009,7 @@
             <a:tailEnd/>
           </a:ln>
           <a:extLst>
-            <a:ext uri="{909E8E84-426E-40dd-AFC4-6F175D3DCCD1}">
+            <a:ext uri="{909E8E84-426E-40DD-AFC4-6F175D3DCCD1}">
               <a14:hiddenFill xmlns:a14="http://schemas.microsoft.com/office/drawing/2010/main">
                 <a:solidFill>
                   <a:srgbClr val="FFFFFF"/>
@@ -7052,7 +7052,7 @@
             <a:tailEnd/>
           </a:ln>
           <a:extLst>
-            <a:ext uri="{909E8E84-426E-40dd-AFC4-6F175D3DCCD1}">
+            <a:ext uri="{909E8E84-426E-40DD-AFC4-6F175D3DCCD1}">
               <a14:hiddenFill xmlns:a14="http://schemas.microsoft.com/office/drawing/2010/main">
                 <a:noFill/>
               </a14:hiddenFill>
@@ -7088,7 +7088,7 @@
   <p:timing>
     <p:tnLst>
       <p:par>
-        <p:cTn xmlns:p14="http://schemas.microsoft.com/office/powerpoint/2010/main" id="1" dur="indefinite" restart="never" nodeType="tmRoot"/>
+        <p:cTn id="1" dur="indefinite" restart="never" nodeType="tmRoot"/>
       </p:par>
     </p:tnLst>
   </p:timing>
@@ -7696,7 +7696,7 @@
   <p:timing>
     <p:tnLst>
       <p:par>
-        <p:cTn xmlns:p14="http://schemas.microsoft.com/office/powerpoint/2010/main" id="1" dur="indefinite" restart="never" nodeType="tmRoot"/>
+        <p:cTn id="1" dur="indefinite" restart="never" nodeType="tmRoot"/>
       </p:par>
     </p:tnLst>
   </p:timing>
@@ -8058,14 +8058,14 @@
           <a:noFill/>
           <a:ln/>
           <a:extLst>
-            <a:ext uri="{909E8E84-426E-40dd-AFC4-6F175D3DCCD1}">
+            <a:ext uri="{909E8E84-426E-40DD-AFC4-6F175D3DCCD1}">
               <a14:hiddenFill xmlns:a14="http://schemas.microsoft.com/office/drawing/2010/main">
                 <a:solidFill>
                   <a:srgbClr val="FFFFFF"/>
                 </a:solidFill>
               </a14:hiddenFill>
             </a:ext>
-            <a:ext uri="{91240B29-F687-4f45-9708-019B960494DF}">
+            <a:ext uri="{91240B29-F687-4F45-9708-019B960494DF}">
               <a14:hiddenLine xmlns:a14="http://schemas.microsoft.com/office/drawing/2010/main" w="9525">
                 <a:solidFill>
                   <a:srgbClr val="000000"/>
@@ -8172,7 +8172,7 @@
               <a:rPr lang="en-US" sz="1200" smtClean="0">
                 <a:latin typeface="Garamond" charset="0"/>
               </a:rPr>
-              <a:t>10/21/15</a:t>
+              <a:t>10/23/2015</a:t>
             </a:fld>
             <a:endParaRPr lang="en-US" sz="1200">
               <a:latin typeface="Garamond" charset="0"/>
@@ -8220,14 +8220,14 @@
           <a:noFill/>
           <a:ln/>
           <a:extLst>
-            <a:ext uri="{909E8E84-426E-40dd-AFC4-6F175D3DCCD1}">
+            <a:ext uri="{909E8E84-426E-40DD-AFC4-6F175D3DCCD1}">
               <a14:hiddenFill xmlns:a14="http://schemas.microsoft.com/office/drawing/2010/main">
                 <a:solidFill>
                   <a:srgbClr val="FFFFFF"/>
                 </a:solidFill>
               </a14:hiddenFill>
             </a:ext>
-            <a:ext uri="{91240B29-F687-4f45-9708-019B960494DF}">
+            <a:ext uri="{91240B29-F687-4F45-9708-019B960494DF}">
               <a14:hiddenLine xmlns:a14="http://schemas.microsoft.com/office/drawing/2010/main" w="9525">
                 <a:solidFill>
                   <a:srgbClr val="000000"/>
@@ -8351,7 +8351,7 @@
   <p:timing>
     <p:tnLst>
       <p:par>
-        <p:cTn xmlns:p14="http://schemas.microsoft.com/office/powerpoint/2010/main" id="1" dur="indefinite" restart="never" nodeType="tmRoot"/>
+        <p:cTn id="1" dur="indefinite" restart="never" nodeType="tmRoot"/>
       </p:par>
     </p:tnLst>
   </p:timing>
@@ -8415,14 +8415,14 @@
           <a:noFill/>
           <a:ln/>
           <a:extLst>
-            <a:ext uri="{909E8E84-426E-40dd-AFC4-6F175D3DCCD1}">
+            <a:ext uri="{909E8E84-426E-40DD-AFC4-6F175D3DCCD1}">
               <a14:hiddenFill xmlns:a14="http://schemas.microsoft.com/office/drawing/2010/main">
                 <a:solidFill>
                   <a:srgbClr val="FFFFFF"/>
                 </a:solidFill>
               </a14:hiddenFill>
             </a:ext>
-            <a:ext uri="{91240B29-F687-4f45-9708-019B960494DF}">
+            <a:ext uri="{91240B29-F687-4F45-9708-019B960494DF}">
               <a14:hiddenLine xmlns:a14="http://schemas.microsoft.com/office/drawing/2010/main" w="9525">
                 <a:solidFill>
                   <a:srgbClr val="000000"/>
@@ -8789,14 +8789,14 @@
           </a:ln>
           <a:effectLst/>
           <a:extLst>
-            <a:ext uri="{909E8E84-426E-40dd-AFC4-6F175D3DCCD1}">
+            <a:ext uri="{909E8E84-426E-40DD-AFC4-6F175D3DCCD1}">
               <a14:hiddenFill xmlns:a14="http://schemas.microsoft.com/office/drawing/2010/main">
                 <a:solidFill>
                   <a:schemeClr val="accent1"/>
                 </a:solidFill>
               </a14:hiddenFill>
             </a:ext>
-            <a:ext uri="{91240B29-F687-4f45-9708-019B960494DF}">
+            <a:ext uri="{91240B29-F687-4F45-9708-019B960494DF}">
               <a14:hiddenLine xmlns:a14="http://schemas.microsoft.com/office/drawing/2010/main" w="9525">
                 <a:solidFill>
                   <a:schemeClr val="tx1"/>
@@ -8806,7 +8806,7 @@
                 <a:tailEnd/>
               </a14:hiddenLine>
             </a:ext>
-            <a:ext uri="{AF507438-7753-43e0-B8FC-AC1667EBCBE1}">
+            <a:ext uri="{AF507438-7753-43E0-B8FC-AC1667EBCBE1}">
               <a14:hiddenEffects xmlns:a14="http://schemas.microsoft.com/office/drawing/2010/main">
                 <a:effectLst>
                   <a:outerShdw blurRad="63500" dist="38099" dir="2700000" algn="ctr" rotWithShape="0">
@@ -9088,14 +9088,14 @@
           </a:ln>
           <a:effectLst/>
           <a:extLst>
-            <a:ext uri="{909E8E84-426E-40dd-AFC4-6F175D3DCCD1}">
+            <a:ext uri="{909E8E84-426E-40DD-AFC4-6F175D3DCCD1}">
               <a14:hiddenFill xmlns:a14="http://schemas.microsoft.com/office/drawing/2010/main">
                 <a:solidFill>
                   <a:schemeClr val="accent1"/>
                 </a:solidFill>
               </a14:hiddenFill>
             </a:ext>
-            <a:ext uri="{AF507438-7753-43e0-B8FC-AC1667EBCBE1}">
+            <a:ext uri="{AF507438-7753-43E0-B8FC-AC1667EBCBE1}">
               <a14:hiddenEffects xmlns:a14="http://schemas.microsoft.com/office/drawing/2010/main">
                 <a:effectLst>
                   <a:outerShdw blurRad="63500" dist="38099" dir="2700000" algn="ctr" rotWithShape="0">
@@ -9176,14 +9176,14 @@
           <a:noFill/>
           <a:ln/>
           <a:extLst>
-            <a:ext uri="{909E8E84-426E-40dd-AFC4-6F175D3DCCD1}">
+            <a:ext uri="{909E8E84-426E-40DD-AFC4-6F175D3DCCD1}">
               <a14:hiddenFill xmlns:a14="http://schemas.microsoft.com/office/drawing/2010/main">
                 <a:solidFill>
                   <a:srgbClr val="FFFFFF"/>
                 </a:solidFill>
               </a14:hiddenFill>
             </a:ext>
-            <a:ext uri="{91240B29-F687-4f45-9708-019B960494DF}">
+            <a:ext uri="{91240B29-F687-4F45-9708-019B960494DF}">
               <a14:hiddenLine xmlns:a14="http://schemas.microsoft.com/office/drawing/2010/main" w="9525">
                 <a:solidFill>
                   <a:srgbClr val="000000"/>
@@ -9290,7 +9290,7 @@
               <a:rPr lang="en-US" sz="1200" smtClean="0">
                 <a:latin typeface="Garamond" charset="0"/>
               </a:rPr>
-              <a:t>10/21/15</a:t>
+              <a:t>10/23/2015</a:t>
             </a:fld>
             <a:endParaRPr lang="en-US" sz="1200">
               <a:latin typeface="Garamond" charset="0"/>
@@ -9306,7 +9306,7 @@
   <p:timing>
     <p:tnLst>
       <p:par>
-        <p:cTn xmlns:p14="http://schemas.microsoft.com/office/powerpoint/2010/main" id="1" dur="indefinite" restart="never" nodeType="tmRoot"/>
+        <p:cTn id="1" dur="indefinite" restart="never" nodeType="tmRoot"/>
       </p:par>
     </p:tnLst>
   </p:timing>
@@ -9370,14 +9370,14 @@
           <a:noFill/>
           <a:ln/>
           <a:extLst>
-            <a:ext uri="{909E8E84-426E-40dd-AFC4-6F175D3DCCD1}">
+            <a:ext uri="{909E8E84-426E-40DD-AFC4-6F175D3DCCD1}">
               <a14:hiddenFill xmlns:a14="http://schemas.microsoft.com/office/drawing/2010/main">
                 <a:solidFill>
                   <a:srgbClr val="FFFFFF"/>
                 </a:solidFill>
               </a14:hiddenFill>
             </a:ext>
-            <a:ext uri="{91240B29-F687-4f45-9708-019B960494DF}">
+            <a:ext uri="{91240B29-F687-4F45-9708-019B960494DF}">
               <a14:hiddenLine xmlns:a14="http://schemas.microsoft.com/office/drawing/2010/main" w="9525">
                 <a:solidFill>
                   <a:srgbClr val="000000"/>
@@ -9539,14 +9539,14 @@
           </a:ln>
           <a:effectLst/>
           <a:extLst>
-            <a:ext uri="{909E8E84-426E-40dd-AFC4-6F175D3DCCD1}">
+            <a:ext uri="{909E8E84-426E-40DD-AFC4-6F175D3DCCD1}">
               <a14:hiddenFill xmlns:a14="http://schemas.microsoft.com/office/drawing/2010/main">
                 <a:solidFill>
                   <a:schemeClr val="accent1"/>
                 </a:solidFill>
               </a14:hiddenFill>
             </a:ext>
-            <a:ext uri="{91240B29-F687-4f45-9708-019B960494DF}">
+            <a:ext uri="{91240B29-F687-4F45-9708-019B960494DF}">
               <a14:hiddenLine xmlns:a14="http://schemas.microsoft.com/office/drawing/2010/main" w="9525">
                 <a:solidFill>
                   <a:schemeClr val="tx1"/>
@@ -9556,7 +9556,7 @@
                 <a:tailEnd/>
               </a14:hiddenLine>
             </a:ext>
-            <a:ext uri="{AF507438-7753-43e0-B8FC-AC1667EBCBE1}">
+            <a:ext uri="{AF507438-7753-43E0-B8FC-AC1667EBCBE1}">
               <a14:hiddenEffects xmlns:a14="http://schemas.microsoft.com/office/drawing/2010/main">
                 <a:effectLst>
                   <a:outerShdw blurRad="63500" dist="38099" dir="2700000" algn="ctr" rotWithShape="0">
@@ -9863,14 +9863,14 @@
           </a:ln>
           <a:effectLst/>
           <a:extLst>
-            <a:ext uri="{909E8E84-426E-40dd-AFC4-6F175D3DCCD1}">
+            <a:ext uri="{909E8E84-426E-40DD-AFC4-6F175D3DCCD1}">
               <a14:hiddenFill xmlns:a14="http://schemas.microsoft.com/office/drawing/2010/main">
                 <a:solidFill>
                   <a:schemeClr val="accent1"/>
                 </a:solidFill>
               </a14:hiddenFill>
             </a:ext>
-            <a:ext uri="{AF507438-7753-43e0-B8FC-AC1667EBCBE1}">
+            <a:ext uri="{AF507438-7753-43E0-B8FC-AC1667EBCBE1}">
               <a14:hiddenEffects xmlns:a14="http://schemas.microsoft.com/office/drawing/2010/main">
                 <a:effectLst>
                   <a:outerShdw blurRad="63500" dist="38099" dir="2700000" algn="ctr" rotWithShape="0">
@@ -9951,14 +9951,14 @@
           <a:noFill/>
           <a:ln/>
           <a:extLst>
-            <a:ext uri="{909E8E84-426E-40dd-AFC4-6F175D3DCCD1}">
+            <a:ext uri="{909E8E84-426E-40DD-AFC4-6F175D3DCCD1}">
               <a14:hiddenFill xmlns:a14="http://schemas.microsoft.com/office/drawing/2010/main">
                 <a:solidFill>
                   <a:srgbClr val="FFFFFF"/>
                 </a:solidFill>
               </a14:hiddenFill>
             </a:ext>
-            <a:ext uri="{91240B29-F687-4f45-9708-019B960494DF}">
+            <a:ext uri="{91240B29-F687-4F45-9708-019B960494DF}">
               <a14:hiddenLine xmlns:a14="http://schemas.microsoft.com/office/drawing/2010/main" w="9525">
                 <a:solidFill>
                   <a:srgbClr val="000000"/>
@@ -10065,7 +10065,7 @@
               <a:rPr lang="en-US" sz="1200" smtClean="0">
                 <a:latin typeface="Garamond" charset="0"/>
               </a:rPr>
-              <a:t>10/21/15</a:t>
+              <a:t>10/23/2015</a:t>
             </a:fld>
             <a:endParaRPr lang="en-US" sz="1200">
               <a:latin typeface="Garamond" charset="0"/>
@@ -10081,7 +10081,7 @@
   <p:timing>
     <p:tnLst>
       <p:par>
-        <p:cTn xmlns:p14="http://schemas.microsoft.com/office/powerpoint/2010/main" id="1" dur="indefinite" restart="never" nodeType="tmRoot"/>
+        <p:cTn id="1" dur="indefinite" restart="never" nodeType="tmRoot"/>
       </p:par>
     </p:tnLst>
   </p:timing>
@@ -10217,7 +10217,32 @@
               <a:rPr lang="en-US" sz="2000" dirty="0">
                 <a:latin typeface="Arial" charset="0"/>
               </a:rPr>
-              <a:t>Instruction list to be provided</a:t>
+              <a:t>Instruction list to be </a:t>
+            </a:r>
+            <a:r>
+              <a:rPr lang="en-US" sz="2000" dirty="0" smtClean="0">
+                <a:latin typeface="Arial" charset="0"/>
+              </a:rPr>
+              <a:t>provided</a:t>
+            </a:r>
+          </a:p>
+          <a:p>
+            <a:pPr lvl="1">
+              <a:lnSpc>
+                <a:spcPct val="90000"/>
+              </a:lnSpc>
+            </a:pPr>
+            <a:r>
+              <a:rPr lang="en-US" dirty="0" smtClean="0">
+                <a:latin typeface="Arial" charset="0"/>
+              </a:rPr>
+              <a:t>Advising </a:t>
+            </a:r>
+            <a:r>
+              <a:rPr lang="en-US" smtClean="0">
+                <a:latin typeface="Arial" charset="0"/>
+              </a:rPr>
+              <a:t>starts Monday</a:t>
             </a:r>
             <a:endParaRPr lang="en-US" dirty="0">
               <a:latin typeface="Arial" charset="0"/>
@@ -10239,14 +10264,14 @@
           <a:noFill/>
           <a:ln/>
           <a:extLst>
-            <a:ext uri="{909E8E84-426E-40dd-AFC4-6F175D3DCCD1}">
+            <a:ext uri="{909E8E84-426E-40DD-AFC4-6F175D3DCCD1}">
               <a14:hiddenFill xmlns:a14="http://schemas.microsoft.com/office/drawing/2010/main">
                 <a:solidFill>
                   <a:srgbClr val="FFFFFF"/>
                 </a:solidFill>
               </a14:hiddenFill>
             </a:ext>
-            <a:ext uri="{91240B29-F687-4f45-9708-019B960494DF}">
+            <a:ext uri="{91240B29-F687-4F45-9708-019B960494DF}">
               <a14:hiddenLine xmlns:a14="http://schemas.microsoft.com/office/drawing/2010/main" w="9525">
                 <a:solidFill>
                   <a:srgbClr val="000000"/>
@@ -10353,7 +10378,7 @@
               <a:rPr lang="en-US" sz="1200" smtClean="0">
                 <a:latin typeface="Garamond" charset="0"/>
               </a:rPr>
-              <a:t>10/21/15</a:t>
+              <a:t>10/23/2015</a:t>
             </a:fld>
             <a:endParaRPr lang="en-US" sz="1200">
               <a:latin typeface="Garamond" charset="0"/>
@@ -10401,14 +10426,14 @@
           <a:noFill/>
           <a:ln/>
           <a:extLst>
-            <a:ext uri="{909E8E84-426E-40dd-AFC4-6F175D3DCCD1}">
+            <a:ext uri="{909E8E84-426E-40DD-AFC4-6F175D3DCCD1}">
               <a14:hiddenFill xmlns:a14="http://schemas.microsoft.com/office/drawing/2010/main">
                 <a:solidFill>
                   <a:srgbClr val="FFFFFF"/>
                 </a:solidFill>
               </a14:hiddenFill>
             </a:ext>
-            <a:ext uri="{91240B29-F687-4f45-9708-019B960494DF}">
+            <a:ext uri="{91240B29-F687-4F45-9708-019B960494DF}">
               <a14:hiddenLine xmlns:a14="http://schemas.microsoft.com/office/drawing/2010/main" w="9525">
                 <a:solidFill>
                   <a:srgbClr val="000000"/>
@@ -10532,7 +10557,7 @@
   <p:timing>
     <p:tnLst>
       <p:par>
-        <p:cTn xmlns:p14="http://schemas.microsoft.com/office/powerpoint/2010/main" id="1" dur="indefinite" restart="never" nodeType="tmRoot"/>
+        <p:cTn id="1" dur="indefinite" restart="never" nodeType="tmRoot"/>
       </p:par>
     </p:tnLst>
   </p:timing>
@@ -10593,7 +10618,7 @@
         <p:spPr/>
         <p:txBody>
           <a:bodyPr>
-            <a:normAutofit fontScale="92500"/>
+            <a:normAutofit fontScale="92500" lnSpcReduction="10000"/>
           </a:bodyPr>
           <a:lstStyle/>
           <a:p>
@@ -10658,7 +10683,26 @@
               <a:rPr lang="en-US" sz="2000" dirty="0">
                 <a:latin typeface="Arial" charset="0"/>
               </a:rPr>
-              <a:t>Instruction list to be provided</a:t>
+              <a:t>Instruction list to be </a:t>
+            </a:r>
+            <a:r>
+              <a:rPr lang="en-US" sz="2000" dirty="0" smtClean="0">
+                <a:latin typeface="Arial" charset="0"/>
+              </a:rPr>
+              <a:t>provided</a:t>
+            </a:r>
+          </a:p>
+          <a:p>
+            <a:pPr lvl="1">
+              <a:lnSpc>
+                <a:spcPct val="90000"/>
+              </a:lnSpc>
+            </a:pPr>
+            <a:r>
+              <a:rPr lang="en-US" dirty="0" smtClean="0">
+                <a:latin typeface="Arial" charset="0"/>
+              </a:rPr>
+              <a:t>Advising starts Monday</a:t>
             </a:r>
             <a:endParaRPr lang="en-US" dirty="0">
               <a:latin typeface="Arial" charset="0"/>
@@ -10726,22 +10770,28 @@
               </a:lnSpc>
             </a:pPr>
             <a:r>
-              <a:rPr lang="en-US" sz="2800" dirty="0">
+              <a:rPr lang="en-US" sz="2800" dirty="0" smtClean="0">
                 <a:latin typeface="Arial" charset="0"/>
               </a:rPr>
               <a:t>Today</a:t>
             </a:r>
             <a:r>
-              <a:rPr lang="ja-JP" altLang="en-US" sz="2800" dirty="0">
+              <a:rPr lang="en-US" sz="2800" dirty="0" smtClean="0">
                 <a:latin typeface="Arial" charset="0"/>
               </a:rPr>
               <a:t>’</a:t>
             </a:r>
             <a:r>
+              <a:rPr lang="en-US" altLang="ja-JP" sz="2800" dirty="0" smtClean="0">
+                <a:latin typeface="Arial" charset="0"/>
+              </a:rPr>
+              <a:t>s </a:t>
+            </a:r>
+            <a:r>
               <a:rPr lang="en-US" altLang="ja-JP" sz="2800" dirty="0">
                 <a:latin typeface="Arial" charset="0"/>
               </a:rPr>
-              <a:t>s lecture</a:t>
+              <a:t>lecture</a:t>
             </a:r>
           </a:p>
           <a:p>
@@ -10831,14 +10881,14 @@
           <a:noFill/>
           <a:ln/>
           <a:extLst>
-            <a:ext uri="{909E8E84-426E-40dd-AFC4-6F175D3DCCD1}">
+            <a:ext uri="{909E8E84-426E-40DD-AFC4-6F175D3DCCD1}">
               <a14:hiddenFill xmlns:a14="http://schemas.microsoft.com/office/drawing/2010/main">
                 <a:solidFill>
                   <a:srgbClr val="FFFFFF"/>
                 </a:solidFill>
               </a14:hiddenFill>
             </a:ext>
-            <a:ext uri="{91240B29-F687-4f45-9708-019B960494DF}">
+            <a:ext uri="{91240B29-F687-4F45-9708-019B960494DF}">
               <a14:hiddenLine xmlns:a14="http://schemas.microsoft.com/office/drawing/2010/main" w="9525">
                 <a:solidFill>
                   <a:srgbClr val="000000"/>
@@ -10945,7 +10995,7 @@
               <a:rPr lang="en-US" sz="1200" smtClean="0">
                 <a:latin typeface="Garamond" charset="0"/>
               </a:rPr>
-              <a:t>10/21/15</a:t>
+              <a:t>10/23/2015</a:t>
             </a:fld>
             <a:endParaRPr lang="en-US" sz="1200">
               <a:latin typeface="Garamond" charset="0"/>
@@ -10993,14 +11043,14 @@
           <a:noFill/>
           <a:ln/>
           <a:extLst>
-            <a:ext uri="{909E8E84-426E-40dd-AFC4-6F175D3DCCD1}">
+            <a:ext uri="{909E8E84-426E-40DD-AFC4-6F175D3DCCD1}">
               <a14:hiddenFill xmlns:a14="http://schemas.microsoft.com/office/drawing/2010/main">
                 <a:solidFill>
                   <a:srgbClr val="FFFFFF"/>
                 </a:solidFill>
               </a14:hiddenFill>
             </a:ext>
-            <a:ext uri="{91240B29-F687-4f45-9708-019B960494DF}">
+            <a:ext uri="{91240B29-F687-4F45-9708-019B960494DF}">
               <a14:hiddenLine xmlns:a14="http://schemas.microsoft.com/office/drawing/2010/main" w="9525">
                 <a:solidFill>
                   <a:srgbClr val="000000"/>
@@ -11124,7 +11174,7 @@
   <p:timing>
     <p:tnLst>
       <p:par>
-        <p:cTn xmlns:p14="http://schemas.microsoft.com/office/powerpoint/2010/main" id="1" dur="indefinite" restart="never" nodeType="tmRoot"/>
+        <p:cTn id="1" dur="indefinite" restart="never" nodeType="tmRoot"/>
       </p:par>
     </p:tnLst>
   </p:timing>
@@ -11351,14 +11401,14 @@
           <a:noFill/>
           <a:ln/>
           <a:extLst>
-            <a:ext uri="{909E8E84-426E-40dd-AFC4-6F175D3DCCD1}">
+            <a:ext uri="{909E8E84-426E-40DD-AFC4-6F175D3DCCD1}">
               <a14:hiddenFill xmlns:a14="http://schemas.microsoft.com/office/drawing/2010/main">
                 <a:solidFill>
                   <a:srgbClr val="FFFFFF"/>
                 </a:solidFill>
               </a14:hiddenFill>
             </a:ext>
-            <a:ext uri="{91240B29-F687-4f45-9708-019B960494DF}">
+            <a:ext uri="{91240B29-F687-4F45-9708-019B960494DF}">
               <a14:hiddenLine xmlns:a14="http://schemas.microsoft.com/office/drawing/2010/main" w="9525">
                 <a:solidFill>
                   <a:srgbClr val="000000"/>
@@ -11465,7 +11515,7 @@
               <a:rPr lang="en-US" sz="1200" smtClean="0">
                 <a:latin typeface="Garamond" charset="0"/>
               </a:rPr>
-              <a:t>10/21/15</a:t>
+              <a:t>10/23/2015</a:t>
             </a:fld>
             <a:endParaRPr lang="en-US" sz="1200">
               <a:latin typeface="Garamond" charset="0"/>
@@ -11513,14 +11563,14 @@
           <a:noFill/>
           <a:ln/>
           <a:extLst>
-            <a:ext uri="{909E8E84-426E-40dd-AFC4-6F175D3DCCD1}">
+            <a:ext uri="{909E8E84-426E-40DD-AFC4-6F175D3DCCD1}">
               <a14:hiddenFill xmlns:a14="http://schemas.microsoft.com/office/drawing/2010/main">
                 <a:solidFill>
                   <a:srgbClr val="FFFFFF"/>
                 </a:solidFill>
               </a14:hiddenFill>
             </a:ext>
-            <a:ext uri="{91240B29-F687-4f45-9708-019B960494DF}">
+            <a:ext uri="{91240B29-F687-4F45-9708-019B960494DF}">
               <a14:hiddenLine xmlns:a14="http://schemas.microsoft.com/office/drawing/2010/main" w="9525">
                 <a:solidFill>
                   <a:srgbClr val="000000"/>
@@ -11644,7 +11694,7 @@
   <p:timing>
     <p:tnLst>
       <p:par>
-        <p:cTn xmlns:p14="http://schemas.microsoft.com/office/powerpoint/2010/main" id="1" dur="indefinite" restart="never" nodeType="tmRoot"/>
+        <p:cTn id="1" dur="indefinite" restart="never" nodeType="tmRoot"/>
       </p:par>
     </p:tnLst>
   </p:timing>
@@ -11708,14 +11758,14 @@
           <a:noFill/>
           <a:ln/>
           <a:extLst>
-            <a:ext uri="{909E8E84-426E-40dd-AFC4-6F175D3DCCD1}">
+            <a:ext uri="{909E8E84-426E-40DD-AFC4-6F175D3DCCD1}">
               <a14:hiddenFill xmlns:a14="http://schemas.microsoft.com/office/drawing/2010/main">
                 <a:solidFill>
                   <a:srgbClr val="FFFFFF"/>
                 </a:solidFill>
               </a14:hiddenFill>
             </a:ext>
-            <a:ext uri="{91240B29-F687-4f45-9708-019B960494DF}">
+            <a:ext uri="{91240B29-F687-4F45-9708-019B960494DF}">
               <a14:hiddenLine xmlns:a14="http://schemas.microsoft.com/office/drawing/2010/main" w="9525">
                 <a:solidFill>
                   <a:srgbClr val="000000"/>
@@ -11845,14 +11895,14 @@
           <a:noFill/>
           <a:ln/>
           <a:extLst>
-            <a:ext uri="{909E8E84-426E-40dd-AFC4-6F175D3DCCD1}">
+            <a:ext uri="{909E8E84-426E-40DD-AFC4-6F175D3DCCD1}">
               <a14:hiddenFill xmlns:a14="http://schemas.microsoft.com/office/drawing/2010/main">
                 <a:solidFill>
                   <a:srgbClr val="FFFFFF"/>
                 </a:solidFill>
               </a14:hiddenFill>
             </a:ext>
-            <a:ext uri="{91240B29-F687-4f45-9708-019B960494DF}">
+            <a:ext uri="{91240B29-F687-4F45-9708-019B960494DF}">
               <a14:hiddenLine xmlns:a14="http://schemas.microsoft.com/office/drawing/2010/main" w="9525">
                 <a:solidFill>
                   <a:srgbClr val="000000"/>
@@ -11959,7 +12009,7 @@
               <a:rPr lang="en-US" sz="1200" smtClean="0">
                 <a:latin typeface="Garamond" charset="0"/>
               </a:rPr>
-              <a:t>10/21/15</a:t>
+              <a:t>10/23/2015</a:t>
             </a:fld>
             <a:endParaRPr lang="en-US" sz="1200">
               <a:latin typeface="Garamond" charset="0"/>
@@ -11976,7 +12026,7 @@
           <p:nvPr/>
         </p:nvPicPr>
         <p:blipFill>
-          <a:blip r:embed="rId2">
+          <a:blip r:embed="rId2" cstate="email">
             <a:extLst>
               <a:ext uri="{28A0092B-C50C-407E-A947-70E740481C1C}">
                 <a14:useLocalDpi xmlns:a14="http://schemas.microsoft.com/office/drawing/2010/main" val="0"/>
@@ -12001,14 +12051,14 @@
             <a:noFill/>
           </a:ln>
           <a:extLst>
-            <a:ext uri="{909E8E84-426E-40dd-AFC4-6F175D3DCCD1}">
+            <a:ext uri="{909E8E84-426E-40DD-AFC4-6F175D3DCCD1}">
               <a14:hiddenFill xmlns:a14="http://schemas.microsoft.com/office/drawing/2010/main">
                 <a:solidFill>
                   <a:schemeClr val="accent1"/>
                 </a:solidFill>
               </a14:hiddenFill>
             </a:ext>
-            <a:ext uri="{91240B29-F687-4f45-9708-019B960494DF}">
+            <a:ext uri="{91240B29-F687-4F45-9708-019B960494DF}">
               <a14:hiddenLine xmlns:a14="http://schemas.microsoft.com/office/drawing/2010/main" w="9525">
                 <a:solidFill>
                   <a:schemeClr val="tx1"/>
@@ -12055,7 +12105,7 @@
   <p:timing>
     <p:tnLst>
       <p:par>
-        <p:cTn xmlns:p14="http://schemas.microsoft.com/office/powerpoint/2010/main" id="1" dur="indefinite" restart="never" nodeType="tmRoot"/>
+        <p:cTn id="1" dur="indefinite" restart="never" nodeType="tmRoot"/>
       </p:par>
     </p:tnLst>
   </p:timing>
@@ -12093,14 +12143,14 @@
           <a:noFill/>
           <a:ln/>
           <a:extLst>
-            <a:ext uri="{909E8E84-426E-40dd-AFC4-6F175D3DCCD1}">
+            <a:ext uri="{909E8E84-426E-40DD-AFC4-6F175D3DCCD1}">
               <a14:hiddenFill xmlns:a14="http://schemas.microsoft.com/office/drawing/2010/main">
                 <a:solidFill>
                   <a:srgbClr val="FFFFFF"/>
                 </a:solidFill>
               </a14:hiddenFill>
             </a:ext>
-            <a:ext uri="{91240B29-F687-4f45-9708-019B960494DF}">
+            <a:ext uri="{91240B29-F687-4F45-9708-019B960494DF}">
               <a14:hiddenLine xmlns:a14="http://schemas.microsoft.com/office/drawing/2010/main" w="9525">
                 <a:solidFill>
                   <a:srgbClr val="000000"/>
@@ -12207,7 +12257,7 @@
               <a:rPr lang="en-US" sz="1200" smtClean="0">
                 <a:latin typeface="Garamond" charset="0"/>
               </a:rPr>
-              <a:t>10/21/15</a:t>
+              <a:t>10/23/2015</a:t>
             </a:fld>
             <a:endParaRPr lang="en-US" sz="1200">
               <a:latin typeface="Garamond" charset="0"/>
@@ -12255,14 +12305,14 @@
           <a:noFill/>
           <a:ln/>
           <a:extLst>
-            <a:ext uri="{909E8E84-426E-40dd-AFC4-6F175D3DCCD1}">
+            <a:ext uri="{909E8E84-426E-40DD-AFC4-6F175D3DCCD1}">
               <a14:hiddenFill xmlns:a14="http://schemas.microsoft.com/office/drawing/2010/main">
                 <a:solidFill>
                   <a:srgbClr val="FFFFFF"/>
                 </a:solidFill>
               </a14:hiddenFill>
             </a:ext>
-            <a:ext uri="{91240B29-F687-4f45-9708-019B960494DF}">
+            <a:ext uri="{91240B29-F687-4F45-9708-019B960494DF}">
               <a14:hiddenLine xmlns:a14="http://schemas.microsoft.com/office/drawing/2010/main" w="9525">
                 <a:solidFill>
                   <a:srgbClr val="000000"/>
@@ -12412,14 +12462,14 @@
             <a:noFill/>
           </a:ln>
           <a:extLst>
-            <a:ext uri="{909E8E84-426E-40dd-AFC4-6F175D3DCCD1}">
+            <a:ext uri="{909E8E84-426E-40DD-AFC4-6F175D3DCCD1}">
               <a14:hiddenFill xmlns:a14="http://schemas.microsoft.com/office/drawing/2010/main">
                 <a:solidFill>
                   <a:schemeClr val="accent1"/>
                 </a:solidFill>
               </a14:hiddenFill>
             </a:ext>
-            <a:ext uri="{91240B29-F687-4f45-9708-019B960494DF}">
+            <a:ext uri="{91240B29-F687-4F45-9708-019B960494DF}">
               <a14:hiddenLine xmlns:a14="http://schemas.microsoft.com/office/drawing/2010/main" w="9525">
                 <a:solidFill>
                   <a:schemeClr val="tx1"/>
@@ -12440,7 +12490,7 @@
   <p:timing>
     <p:tnLst>
       <p:par>
-        <p:cTn xmlns:p14="http://schemas.microsoft.com/office/powerpoint/2010/main" id="1" dur="indefinite" restart="never" nodeType="tmRoot"/>
+        <p:cTn id="1" dur="indefinite" restart="never" nodeType="tmRoot"/>
       </p:par>
     </p:tnLst>
   </p:timing>
@@ -12565,14 +12615,14 @@
           <a:noFill/>
           <a:ln/>
           <a:extLst>
-            <a:ext uri="{909E8E84-426E-40dd-AFC4-6F175D3DCCD1}">
+            <a:ext uri="{909E8E84-426E-40DD-AFC4-6F175D3DCCD1}">
               <a14:hiddenFill xmlns:a14="http://schemas.microsoft.com/office/drawing/2010/main">
                 <a:solidFill>
                   <a:srgbClr val="FFFFFF"/>
                 </a:solidFill>
               </a14:hiddenFill>
             </a:ext>
-            <a:ext uri="{91240B29-F687-4f45-9708-019B960494DF}">
+            <a:ext uri="{91240B29-F687-4F45-9708-019B960494DF}">
               <a14:hiddenLine xmlns:a14="http://schemas.microsoft.com/office/drawing/2010/main" w="9525">
                 <a:solidFill>
                   <a:srgbClr val="000000"/>
@@ -12679,7 +12729,7 @@
               <a:rPr lang="en-US" sz="1200" smtClean="0">
                 <a:latin typeface="Garamond" charset="0"/>
               </a:rPr>
-              <a:t>10/21/15</a:t>
+              <a:t>10/23/2015</a:t>
             </a:fld>
             <a:endParaRPr lang="en-US" sz="1200">
               <a:latin typeface="Garamond" charset="0"/>
@@ -12727,14 +12777,14 @@
           <a:noFill/>
           <a:ln/>
           <a:extLst>
-            <a:ext uri="{909E8E84-426E-40dd-AFC4-6F175D3DCCD1}">
+            <a:ext uri="{909E8E84-426E-40DD-AFC4-6F175D3DCCD1}">
               <a14:hiddenFill xmlns:a14="http://schemas.microsoft.com/office/drawing/2010/main">
                 <a:solidFill>
                   <a:srgbClr val="FFFFFF"/>
                 </a:solidFill>
               </a14:hiddenFill>
             </a:ext>
-            <a:ext uri="{91240B29-F687-4f45-9708-019B960494DF}">
+            <a:ext uri="{91240B29-F687-4F45-9708-019B960494DF}">
               <a14:hiddenLine xmlns:a14="http://schemas.microsoft.com/office/drawing/2010/main" w="9525">
                 <a:solidFill>
                   <a:srgbClr val="000000"/>
@@ -12858,7 +12908,7 @@
   <p:timing>
     <p:tnLst>
       <p:par>
-        <p:cTn xmlns:p14="http://schemas.microsoft.com/office/powerpoint/2010/main" id="1" dur="indefinite" restart="never" nodeType="tmRoot"/>
+        <p:cTn id="1" dur="indefinite" restart="never" nodeType="tmRoot"/>
       </p:par>
     </p:tnLst>
   </p:timing>
@@ -12922,14 +12972,14 @@
           <a:noFill/>
           <a:ln/>
           <a:extLst>
-            <a:ext uri="{909E8E84-426E-40dd-AFC4-6F175D3DCCD1}">
+            <a:ext uri="{909E8E84-426E-40DD-AFC4-6F175D3DCCD1}">
               <a14:hiddenFill xmlns:a14="http://schemas.microsoft.com/office/drawing/2010/main">
                 <a:solidFill>
                   <a:srgbClr val="FFFFFF"/>
                 </a:solidFill>
               </a14:hiddenFill>
             </a:ext>
-            <a:ext uri="{91240B29-F687-4f45-9708-019B960494DF}">
+            <a:ext uri="{91240B29-F687-4F45-9708-019B960494DF}">
               <a14:hiddenLine xmlns:a14="http://schemas.microsoft.com/office/drawing/2010/main" w="9525">
                 <a:solidFill>
                   <a:srgbClr val="000000"/>
@@ -13226,14 +13276,14 @@
           </a:ln>
           <a:effectLst/>
           <a:extLst>
-            <a:ext uri="{909E8E84-426E-40dd-AFC4-6F175D3DCCD1}">
+            <a:ext uri="{909E8E84-426E-40DD-AFC4-6F175D3DCCD1}">
               <a14:hiddenFill xmlns:a14="http://schemas.microsoft.com/office/drawing/2010/main">
                 <a:solidFill>
                   <a:schemeClr val="accent1"/>
                 </a:solidFill>
               </a14:hiddenFill>
             </a:ext>
-            <a:ext uri="{91240B29-F687-4f45-9708-019B960494DF}">
+            <a:ext uri="{91240B29-F687-4F45-9708-019B960494DF}">
               <a14:hiddenLine xmlns:a14="http://schemas.microsoft.com/office/drawing/2010/main" w="9525">
                 <a:solidFill>
                   <a:schemeClr val="tx1"/>
@@ -13243,7 +13293,7 @@
                 <a:tailEnd/>
               </a14:hiddenLine>
             </a:ext>
-            <a:ext uri="{AF507438-7753-43e0-B8FC-AC1667EBCBE1}">
+            <a:ext uri="{AF507438-7753-43E0-B8FC-AC1667EBCBE1}">
               <a14:hiddenEffects xmlns:a14="http://schemas.microsoft.com/office/drawing/2010/main">
                 <a:effectLst>
                   <a:outerShdw blurRad="63500" dist="38099" dir="2700000" algn="ctr" rotWithShape="0">
@@ -13375,14 +13425,14 @@
           </a:ln>
           <a:effectLst/>
           <a:extLst>
-            <a:ext uri="{909E8E84-426E-40dd-AFC4-6F175D3DCCD1}">
+            <a:ext uri="{909E8E84-426E-40DD-AFC4-6F175D3DCCD1}">
               <a14:hiddenFill xmlns:a14="http://schemas.microsoft.com/office/drawing/2010/main">
                 <a:solidFill>
                   <a:schemeClr val="accent1"/>
                 </a:solidFill>
               </a14:hiddenFill>
             </a:ext>
-            <a:ext uri="{AF507438-7753-43e0-B8FC-AC1667EBCBE1}">
+            <a:ext uri="{AF507438-7753-43E0-B8FC-AC1667EBCBE1}">
               <a14:hiddenEffects xmlns:a14="http://schemas.microsoft.com/office/drawing/2010/main">
                 <a:effectLst>
                   <a:outerShdw blurRad="63500" dist="38099" dir="2700000" algn="ctr" rotWithShape="0">
@@ -13463,14 +13513,14 @@
           <a:noFill/>
           <a:ln/>
           <a:extLst>
-            <a:ext uri="{909E8E84-426E-40dd-AFC4-6F175D3DCCD1}">
+            <a:ext uri="{909E8E84-426E-40DD-AFC4-6F175D3DCCD1}">
               <a14:hiddenFill xmlns:a14="http://schemas.microsoft.com/office/drawing/2010/main">
                 <a:solidFill>
                   <a:srgbClr val="FFFFFF"/>
                 </a:solidFill>
               </a14:hiddenFill>
             </a:ext>
-            <a:ext uri="{91240B29-F687-4f45-9708-019B960494DF}">
+            <a:ext uri="{91240B29-F687-4F45-9708-019B960494DF}">
               <a14:hiddenLine xmlns:a14="http://schemas.microsoft.com/office/drawing/2010/main" w="9525">
                 <a:solidFill>
                   <a:srgbClr val="000000"/>
@@ -13577,7 +13627,7 @@
               <a:rPr lang="en-US" sz="1200" smtClean="0">
                 <a:latin typeface="Garamond" charset="0"/>
               </a:rPr>
-              <a:t>10/21/15</a:t>
+              <a:t>10/23/2015</a:t>
             </a:fld>
             <a:endParaRPr lang="en-US" sz="1200">
               <a:latin typeface="Garamond" charset="0"/>
@@ -13593,7 +13643,7 @@
   <p:timing>
     <p:tnLst>
       <p:par>
-        <p:cTn xmlns:p14="http://schemas.microsoft.com/office/powerpoint/2010/main" id="1" dur="indefinite" restart="never" nodeType="tmRoot"/>
+        <p:cTn id="1" dur="indefinite" restart="never" nodeType="tmRoot"/>
       </p:par>
     </p:tnLst>
   </p:timing>
@@ -13657,14 +13707,14 @@
           <a:noFill/>
           <a:ln/>
           <a:extLst>
-            <a:ext uri="{909E8E84-426E-40dd-AFC4-6F175D3DCCD1}">
+            <a:ext uri="{909E8E84-426E-40DD-AFC4-6F175D3DCCD1}">
               <a14:hiddenFill xmlns:a14="http://schemas.microsoft.com/office/drawing/2010/main">
                 <a:solidFill>
                   <a:srgbClr val="FFFFFF"/>
                 </a:solidFill>
               </a14:hiddenFill>
             </a:ext>
-            <a:ext uri="{91240B29-F687-4f45-9708-019B960494DF}">
+            <a:ext uri="{91240B29-F687-4F45-9708-019B960494DF}">
               <a14:hiddenLine xmlns:a14="http://schemas.microsoft.com/office/drawing/2010/main" w="9525">
                 <a:solidFill>
                   <a:srgbClr val="000000"/>
@@ -13968,14 +14018,14 @@
           </a:ln>
           <a:effectLst/>
           <a:extLst>
-            <a:ext uri="{909E8E84-426E-40dd-AFC4-6F175D3DCCD1}">
+            <a:ext uri="{909E8E84-426E-40DD-AFC4-6F175D3DCCD1}">
               <a14:hiddenFill xmlns:a14="http://schemas.microsoft.com/office/drawing/2010/main">
                 <a:solidFill>
                   <a:schemeClr val="accent1"/>
                 </a:solidFill>
               </a14:hiddenFill>
             </a:ext>
-            <a:ext uri="{91240B29-F687-4f45-9708-019B960494DF}">
+            <a:ext uri="{91240B29-F687-4F45-9708-019B960494DF}">
               <a14:hiddenLine xmlns:a14="http://schemas.microsoft.com/office/drawing/2010/main" w="9525">
                 <a:solidFill>
                   <a:schemeClr val="tx1"/>
@@ -13985,7 +14035,7 @@
                 <a:tailEnd/>
               </a14:hiddenLine>
             </a:ext>
-            <a:ext uri="{AF507438-7753-43e0-B8FC-AC1667EBCBE1}">
+            <a:ext uri="{AF507438-7753-43E0-B8FC-AC1667EBCBE1}">
               <a14:hiddenEffects xmlns:a14="http://schemas.microsoft.com/office/drawing/2010/main">
                 <a:effectLst>
                   <a:outerShdw blurRad="63500" dist="38099" dir="2700000" algn="ctr" rotWithShape="0">
@@ -14221,14 +14271,14 @@
           </a:ln>
           <a:effectLst/>
           <a:extLst>
-            <a:ext uri="{909E8E84-426E-40dd-AFC4-6F175D3DCCD1}">
+            <a:ext uri="{909E8E84-426E-40DD-AFC4-6F175D3DCCD1}">
               <a14:hiddenFill xmlns:a14="http://schemas.microsoft.com/office/drawing/2010/main">
                 <a:solidFill>
                   <a:schemeClr val="accent1"/>
                 </a:solidFill>
               </a14:hiddenFill>
             </a:ext>
-            <a:ext uri="{AF507438-7753-43e0-B8FC-AC1667EBCBE1}">
+            <a:ext uri="{AF507438-7753-43E0-B8FC-AC1667EBCBE1}">
               <a14:hiddenEffects xmlns:a14="http://schemas.microsoft.com/office/drawing/2010/main">
                 <a:effectLst>
                   <a:outerShdw blurRad="63500" dist="38099" dir="2700000" algn="ctr" rotWithShape="0">
@@ -14309,14 +14359,14 @@
           <a:noFill/>
           <a:ln/>
           <a:extLst>
-            <a:ext uri="{909E8E84-426E-40dd-AFC4-6F175D3DCCD1}">
+            <a:ext uri="{909E8E84-426E-40DD-AFC4-6F175D3DCCD1}">
               <a14:hiddenFill xmlns:a14="http://schemas.microsoft.com/office/drawing/2010/main">
                 <a:solidFill>
                   <a:srgbClr val="FFFFFF"/>
                 </a:solidFill>
               </a14:hiddenFill>
             </a:ext>
-            <a:ext uri="{91240B29-F687-4f45-9708-019B960494DF}">
+            <a:ext uri="{91240B29-F687-4F45-9708-019B960494DF}">
               <a14:hiddenLine xmlns:a14="http://schemas.microsoft.com/office/drawing/2010/main" w="9525">
                 <a:solidFill>
                   <a:srgbClr val="000000"/>
@@ -14423,7 +14473,7 @@
               <a:rPr lang="en-US" sz="1200" smtClean="0">
                 <a:latin typeface="Garamond" charset="0"/>
               </a:rPr>
-              <a:t>10/21/15</a:t>
+              <a:t>10/23/2015</a:t>
             </a:fld>
             <a:endParaRPr lang="en-US" sz="1200">
               <a:latin typeface="Garamond" charset="0"/>
@@ -14439,7 +14489,7 @@
   <p:timing>
     <p:tnLst>
       <p:par>
-        <p:cTn xmlns:p14="http://schemas.microsoft.com/office/powerpoint/2010/main" id="1" dur="indefinite" restart="never" nodeType="tmRoot"/>
+        <p:cTn id="1" dur="indefinite" restart="never" nodeType="tmRoot"/>
       </p:par>
     </p:tnLst>
   </p:timing>
@@ -14994,14 +15044,14 @@
           <a:noFill/>
           <a:ln/>
           <a:extLst>
-            <a:ext uri="{909E8E84-426E-40dd-AFC4-6F175D3DCCD1}">
+            <a:ext uri="{909E8E84-426E-40DD-AFC4-6F175D3DCCD1}">
               <a14:hiddenFill xmlns:a14="http://schemas.microsoft.com/office/drawing/2010/main">
                 <a:solidFill>
                   <a:srgbClr val="FFFFFF"/>
                 </a:solidFill>
               </a14:hiddenFill>
             </a:ext>
-            <a:ext uri="{91240B29-F687-4f45-9708-019B960494DF}">
+            <a:ext uri="{91240B29-F687-4F45-9708-019B960494DF}">
               <a14:hiddenLine xmlns:a14="http://schemas.microsoft.com/office/drawing/2010/main" w="9525">
                 <a:solidFill>
                   <a:srgbClr val="000000"/>
@@ -15108,7 +15158,7 @@
               <a:rPr lang="en-US" sz="1200" smtClean="0">
                 <a:latin typeface="Garamond" charset="0"/>
               </a:rPr>
-              <a:t>10/21/15</a:t>
+              <a:t>10/23/2015</a:t>
             </a:fld>
             <a:endParaRPr lang="en-US" sz="1200">
               <a:latin typeface="Garamond" charset="0"/>
@@ -15156,14 +15206,14 @@
           <a:noFill/>
           <a:ln/>
           <a:extLst>
-            <a:ext uri="{909E8E84-426E-40dd-AFC4-6F175D3DCCD1}">
+            <a:ext uri="{909E8E84-426E-40DD-AFC4-6F175D3DCCD1}">
               <a14:hiddenFill xmlns:a14="http://schemas.microsoft.com/office/drawing/2010/main">
                 <a:solidFill>
                   <a:srgbClr val="FFFFFF"/>
                 </a:solidFill>
               </a14:hiddenFill>
             </a:ext>
-            <a:ext uri="{91240B29-F687-4f45-9708-019B960494DF}">
+            <a:ext uri="{91240B29-F687-4F45-9708-019B960494DF}">
               <a14:hiddenLine xmlns:a14="http://schemas.microsoft.com/office/drawing/2010/main" w="9525">
                 <a:solidFill>
                   <a:srgbClr val="000000"/>
@@ -15287,7 +15337,7 @@
   <p:timing>
     <p:tnLst>
       <p:par>
-        <p:cTn xmlns:p14="http://schemas.microsoft.com/office/powerpoint/2010/main" id="1" dur="indefinite" restart="never" nodeType="tmRoot"/>
+        <p:cTn id="1" dur="indefinite" restart="never" nodeType="tmRoot"/>
       </p:par>
     </p:tnLst>
   </p:timing>
